--- a/meta-special/FCA/special.pptx
+++ b/meta-special/FCA/special.pptx
@@ -5,7 +5,8 @@
     <p:sldMasterId id="2147483648" r:id="rId1"/>
   </p:sldMasterIdLst>
   <p:sldIdLst>
-    <p:sldId id="256" r:id="rId2"/>
+    <p:sldId id="258" r:id="rId2"/>
+    <p:sldId id="257" r:id="rId3"/>
   </p:sldIdLst>
   <p:sldSz cx="12192000" cy="6858000"/>
   <p:notesSz cx="6858000" cy="9144000"/>
@@ -243,7 +244,7 @@
           <a:p>
             <a:fld id="{14FA7625-A3D7-3B48-98CC-15F5BDF46D63}" type="datetimeFigureOut">
               <a:rPr lang="en-US" smtClean="0"/>
-              <a:t>3/27/17</a:t>
+              <a:t>3/29/17</a:t>
             </a:fld>
             <a:endParaRPr lang="en-US"/>
           </a:p>
@@ -413,7 +414,7 @@
           <a:p>
             <a:fld id="{14FA7625-A3D7-3B48-98CC-15F5BDF46D63}" type="datetimeFigureOut">
               <a:rPr lang="en-US" smtClean="0"/>
-              <a:t>3/27/17</a:t>
+              <a:t>3/29/17</a:t>
             </a:fld>
             <a:endParaRPr lang="en-US"/>
           </a:p>
@@ -593,7 +594,7 @@
           <a:p>
             <a:fld id="{14FA7625-A3D7-3B48-98CC-15F5BDF46D63}" type="datetimeFigureOut">
               <a:rPr lang="en-US" smtClean="0"/>
-              <a:t>3/27/17</a:t>
+              <a:t>3/29/17</a:t>
             </a:fld>
             <a:endParaRPr lang="en-US"/>
           </a:p>
@@ -763,7 +764,7 @@
           <a:p>
             <a:fld id="{14FA7625-A3D7-3B48-98CC-15F5BDF46D63}" type="datetimeFigureOut">
               <a:rPr lang="en-US" smtClean="0"/>
-              <a:t>3/27/17</a:t>
+              <a:t>3/29/17</a:t>
             </a:fld>
             <a:endParaRPr lang="en-US"/>
           </a:p>
@@ -1009,7 +1010,7 @@
           <a:p>
             <a:fld id="{14FA7625-A3D7-3B48-98CC-15F5BDF46D63}" type="datetimeFigureOut">
               <a:rPr lang="en-US" smtClean="0"/>
-              <a:t>3/27/17</a:t>
+              <a:t>3/29/17</a:t>
             </a:fld>
             <a:endParaRPr lang="en-US"/>
           </a:p>
@@ -1241,7 +1242,7 @@
           <a:p>
             <a:fld id="{14FA7625-A3D7-3B48-98CC-15F5BDF46D63}" type="datetimeFigureOut">
               <a:rPr lang="en-US" smtClean="0"/>
-              <a:t>3/27/17</a:t>
+              <a:t>3/29/17</a:t>
             </a:fld>
             <a:endParaRPr lang="en-US"/>
           </a:p>
@@ -1608,7 +1609,7 @@
           <a:p>
             <a:fld id="{14FA7625-A3D7-3B48-98CC-15F5BDF46D63}" type="datetimeFigureOut">
               <a:rPr lang="en-US" smtClean="0"/>
-              <a:t>3/27/17</a:t>
+              <a:t>3/29/17</a:t>
             </a:fld>
             <a:endParaRPr lang="en-US"/>
           </a:p>
@@ -1726,7 +1727,7 @@
           <a:p>
             <a:fld id="{14FA7625-A3D7-3B48-98CC-15F5BDF46D63}" type="datetimeFigureOut">
               <a:rPr lang="en-US" smtClean="0"/>
-              <a:t>3/27/17</a:t>
+              <a:t>3/29/17</a:t>
             </a:fld>
             <a:endParaRPr lang="en-US"/>
           </a:p>
@@ -1821,7 +1822,7 @@
           <a:p>
             <a:fld id="{14FA7625-A3D7-3B48-98CC-15F5BDF46D63}" type="datetimeFigureOut">
               <a:rPr lang="en-US" smtClean="0"/>
-              <a:t>3/27/17</a:t>
+              <a:t>3/29/17</a:t>
             </a:fld>
             <a:endParaRPr lang="en-US"/>
           </a:p>
@@ -2098,7 +2099,7 @@
           <a:p>
             <a:fld id="{14FA7625-A3D7-3B48-98CC-15F5BDF46D63}" type="datetimeFigureOut">
               <a:rPr lang="en-US" smtClean="0"/>
-              <a:t>3/27/17</a:t>
+              <a:t>3/29/17</a:t>
             </a:fld>
             <a:endParaRPr lang="en-US"/>
           </a:p>
@@ -2351,7 +2352,7 @@
           <a:p>
             <a:fld id="{14FA7625-A3D7-3B48-98CC-15F5BDF46D63}" type="datetimeFigureOut">
               <a:rPr lang="en-US" smtClean="0"/>
-              <a:t>3/27/17</a:t>
+              <a:t>3/29/17</a:t>
             </a:fld>
             <a:endParaRPr lang="en-US"/>
           </a:p>
@@ -2564,7 +2565,7 @@
           <a:p>
             <a:fld id="{14FA7625-A3D7-3B48-98CC-15F5BDF46D63}" type="datetimeFigureOut">
               <a:rPr lang="en-US" smtClean="0"/>
-              <a:t>3/27/17</a:t>
+              <a:t>3/29/17</a:t>
             </a:fld>
             <a:endParaRPr lang="en-US"/>
           </a:p>
@@ -2969,6 +2970,307 @@
           <a:chExt cx="0" cy="0"/>
         </a:xfrm>
       </p:grpSpPr>
+      <p:sp>
+        <p:nvSpPr>
+          <p:cNvPr id="4" name="Title 3"/>
+          <p:cNvSpPr>
+            <a:spLocks noGrp="1"/>
+          </p:cNvSpPr>
+          <p:nvPr>
+            <p:ph type="title"/>
+          </p:nvPr>
+        </p:nvSpPr>
+        <p:spPr/>
+        <p:txBody>
+          <a:bodyPr>
+            <a:normAutofit/>
+          </a:bodyPr>
+          <a:lstStyle/>
+          <a:p>
+            <a:r>
+              <a:rPr lang="en-US" sz="6000" b="1" smtClean="0"/>
+              <a:t>Which </a:t>
+            </a:r>
+            <a:r>
+              <a:rPr lang="en-US" sz="6000" b="1" dirty="0" smtClean="0"/>
+              <a:t>one doesn’t belong?</a:t>
+            </a:r>
+            <a:endParaRPr lang="en-US" sz="6000" b="1" dirty="0"/>
+          </a:p>
+        </p:txBody>
+      </p:sp>
+      <p:grpSp>
+        <p:nvGrpSpPr>
+          <p:cNvPr id="5" name="Group 4"/>
+          <p:cNvGrpSpPr/>
+          <p:nvPr/>
+        </p:nvGrpSpPr>
+        <p:grpSpPr>
+          <a:xfrm>
+            <a:off x="1679996" y="3219057"/>
+            <a:ext cx="5425293" cy="1019456"/>
+            <a:chOff x="6943997" y="5712149"/>
+            <a:chExt cx="4913734" cy="923330"/>
+          </a:xfrm>
+        </p:grpSpPr>
+        <p:sp>
+          <p:nvSpPr>
+            <p:cNvPr id="6" name="TextBox 5"/>
+            <p:cNvSpPr txBox="1"/>
+            <p:nvPr/>
+          </p:nvSpPr>
+          <p:spPr>
+            <a:xfrm>
+              <a:off x="6943997" y="5712149"/>
+              <a:ext cx="830677" cy="923330"/>
+            </a:xfrm>
+            <a:prstGeom prst="rect">
+              <a:avLst/>
+            </a:prstGeom>
+            <a:solidFill>
+              <a:srgbClr val="FF7E79"/>
+            </a:solidFill>
+            <a:ln w="38100">
+              <a:solidFill>
+                <a:schemeClr val="tx1"/>
+              </a:solidFill>
+            </a:ln>
+          </p:spPr>
+          <p:txBody>
+            <a:bodyPr wrap="none" rtlCol="0">
+              <a:spAutoFit/>
+            </a:bodyPr>
+            <a:lstStyle/>
+            <a:p>
+              <a:endParaRPr lang="en-US" dirty="0" smtClean="0"/>
+            </a:p>
+            <a:p>
+              <a:r>
+                <a:rPr lang="en-US" dirty="0" smtClean="0"/>
+                <a:t>     1     </a:t>
+              </a:r>
+            </a:p>
+            <a:p>
+              <a:endParaRPr lang="en-US" dirty="0"/>
+            </a:p>
+          </p:txBody>
+        </p:sp>
+        <p:sp>
+          <p:nvSpPr>
+            <p:cNvPr id="7" name="TextBox 6"/>
+            <p:cNvSpPr txBox="1"/>
+            <p:nvPr/>
+          </p:nvSpPr>
+          <p:spPr>
+            <a:xfrm>
+              <a:off x="8076079" y="5712149"/>
+              <a:ext cx="777777" cy="923330"/>
+            </a:xfrm>
+            <a:prstGeom prst="rect">
+              <a:avLst/>
+            </a:prstGeom>
+            <a:solidFill>
+              <a:srgbClr val="06F500"/>
+            </a:solidFill>
+            <a:ln w="38100">
+              <a:solidFill>
+                <a:schemeClr val="tx1"/>
+              </a:solidFill>
+            </a:ln>
+          </p:spPr>
+          <p:txBody>
+            <a:bodyPr wrap="none" rtlCol="0">
+              <a:spAutoFit/>
+            </a:bodyPr>
+            <a:lstStyle/>
+            <a:p>
+              <a:endParaRPr lang="en-US" dirty="0" smtClean="0"/>
+            </a:p>
+            <a:p>
+              <a:r>
+                <a:rPr lang="en-US" dirty="0" smtClean="0"/>
+                <a:t>     2    </a:t>
+              </a:r>
+            </a:p>
+            <a:p>
+              <a:endParaRPr lang="en-US" dirty="0"/>
+            </a:p>
+          </p:txBody>
+        </p:sp>
+        <p:sp>
+          <p:nvSpPr>
+            <p:cNvPr id="8" name="TextBox 7"/>
+            <p:cNvSpPr txBox="1"/>
+            <p:nvPr/>
+          </p:nvSpPr>
+          <p:spPr>
+            <a:xfrm>
+              <a:off x="10371066" y="5712149"/>
+              <a:ext cx="830677" cy="923330"/>
+            </a:xfrm>
+            <a:prstGeom prst="rect">
+              <a:avLst/>
+            </a:prstGeom>
+            <a:solidFill>
+              <a:srgbClr val="FF7E79"/>
+            </a:solidFill>
+            <a:ln w="38100">
+              <a:noFill/>
+            </a:ln>
+          </p:spPr>
+          <p:txBody>
+            <a:bodyPr wrap="none" rtlCol="0">
+              <a:spAutoFit/>
+            </a:bodyPr>
+            <a:lstStyle/>
+            <a:p>
+              <a:endParaRPr lang="en-US" dirty="0" smtClean="0"/>
+            </a:p>
+            <a:p>
+              <a:r>
+                <a:rPr lang="en-US" dirty="0" smtClean="0"/>
+                <a:t>     4     </a:t>
+              </a:r>
+            </a:p>
+            <a:p>
+              <a:endParaRPr lang="en-US" dirty="0"/>
+            </a:p>
+          </p:txBody>
+        </p:sp>
+        <p:sp>
+          <p:nvSpPr>
+            <p:cNvPr id="9" name="TextBox 8"/>
+            <p:cNvSpPr txBox="1"/>
+            <p:nvPr/>
+          </p:nvSpPr>
+          <p:spPr>
+            <a:xfrm>
+              <a:off x="11503147" y="5989148"/>
+              <a:ext cx="354584" cy="369332"/>
+            </a:xfrm>
+            <a:prstGeom prst="rect">
+              <a:avLst/>
+            </a:prstGeom>
+            <a:solidFill>
+              <a:srgbClr val="FF7E79"/>
+            </a:solidFill>
+            <a:ln w="38100">
+              <a:solidFill>
+                <a:schemeClr val="tx1"/>
+              </a:solidFill>
+            </a:ln>
+          </p:spPr>
+          <p:txBody>
+            <a:bodyPr wrap="none" rtlCol="0">
+              <a:spAutoFit/>
+            </a:bodyPr>
+            <a:lstStyle/>
+            <a:p>
+              <a:r>
+                <a:rPr lang="en-US" dirty="0" smtClean="0"/>
+                <a:t> 5</a:t>
+              </a:r>
+            </a:p>
+          </p:txBody>
+        </p:sp>
+        <p:sp>
+          <p:nvSpPr>
+            <p:cNvPr id="10" name="Oval 9"/>
+            <p:cNvSpPr/>
+            <p:nvPr/>
+          </p:nvSpPr>
+          <p:spPr>
+            <a:xfrm>
+              <a:off x="9155261" y="5716614"/>
+              <a:ext cx="914400" cy="914400"/>
+            </a:xfrm>
+            <a:prstGeom prst="ellipse">
+              <a:avLst/>
+            </a:prstGeom>
+            <a:solidFill>
+              <a:srgbClr val="FF7E79"/>
+            </a:solidFill>
+            <a:ln w="38100">
+              <a:solidFill>
+                <a:schemeClr val="tx1"/>
+              </a:solidFill>
+            </a:ln>
+          </p:spPr>
+          <p:style>
+            <a:lnRef idx="2">
+              <a:schemeClr val="accent1">
+                <a:shade val="50000"/>
+              </a:schemeClr>
+            </a:lnRef>
+            <a:fillRef idx="1">
+              <a:schemeClr val="accent1"/>
+            </a:fillRef>
+            <a:effectRef idx="0">
+              <a:schemeClr val="accent1"/>
+            </a:effectRef>
+            <a:fontRef idx="minor">
+              <a:schemeClr val="lt1"/>
+            </a:fontRef>
+          </p:style>
+          <p:txBody>
+            <a:bodyPr rtlCol="0" anchor="ctr"/>
+            <a:lstStyle/>
+            <a:p>
+              <a:pPr algn="ctr"/>
+              <a:r>
+                <a:rPr lang="en-US" smtClean="0">
+                  <a:solidFill>
+                    <a:schemeClr val="tx1"/>
+                  </a:solidFill>
+                </a:rPr>
+                <a:t>3</a:t>
+              </a:r>
+              <a:endParaRPr lang="en-US">
+                <a:solidFill>
+                  <a:schemeClr val="tx1"/>
+                </a:solidFill>
+              </a:endParaRPr>
+            </a:p>
+          </p:txBody>
+        </p:sp>
+      </p:grpSp>
+    </p:spTree>
+    <p:extLst>
+      <p:ext uri="{BB962C8B-B14F-4D97-AF65-F5344CB8AC3E}">
+        <p14:creationId xmlns:p14="http://schemas.microsoft.com/office/powerpoint/2010/main" val="71665945"/>
+      </p:ext>
+    </p:extLst>
+  </p:cSld>
+  <p:clrMapOvr>
+    <a:masterClrMapping/>
+  </p:clrMapOvr>
+  <p:timing>
+    <p:tnLst>
+      <p:par>
+        <p:cTn id="1" dur="indefinite" restart="never" nodeType="tmRoot"/>
+      </p:par>
+    </p:tnLst>
+  </p:timing>
+</p:sld>
+</file>
+
+<file path=ppt/slides/slide2.xml><?xml version="1.0" encoding="utf-8"?>
+<p:sld xmlns:a="http://schemas.openxmlformats.org/drawingml/2006/main" xmlns:r="http://schemas.openxmlformats.org/officeDocument/2006/relationships" xmlns:p="http://schemas.openxmlformats.org/presentationml/2006/main">
+  <p:cSld>
+    <p:spTree>
+      <p:nvGrpSpPr>
+        <p:cNvPr id="1" name=""/>
+        <p:cNvGrpSpPr/>
+        <p:nvPr/>
+      </p:nvGrpSpPr>
+      <p:grpSpPr>
+        <a:xfrm>
+          <a:off x="0" y="0"/>
+          <a:ext cx="0" cy="0"/>
+          <a:chOff x="0" y="0"/>
+          <a:chExt cx="0" cy="0"/>
+        </a:xfrm>
+      </p:grpSpPr>
       <p:pic>
         <p:nvPicPr>
           <p:cNvPr id="5" name="Picture 4"/>
@@ -3788,7 +4090,7 @@
     </p:spTree>
     <p:extLst>
       <p:ext uri="{BB962C8B-B14F-4D97-AF65-F5344CB8AC3E}">
-        <p14:creationId xmlns:p14="http://schemas.microsoft.com/office/powerpoint/2010/main" val="2074628232"/>
+        <p14:creationId xmlns:p14="http://schemas.microsoft.com/office/powerpoint/2010/main" val="888660359"/>
       </p:ext>
     </p:extLst>
   </p:cSld>
